--- a/Intro_to_ML_1.pptx
+++ b/Intro_to_ML_1.pptx
@@ -248,7 +248,7 @@
           <a:p>
             <a:fld id="{87CA78F2-8BDA-6744-A7B1-117F95CFA804}" type="datetimeFigureOut">
               <a:rPr lang="en-US" smtClean="0"/>
-              <a:t>11/6/20</a:t>
+              <a:t>6/19/23</a:t>
             </a:fld>
             <a:endParaRPr lang="en-US"/>
           </a:p>
@@ -760,7 +760,7 @@
           <a:p>
             <a:fld id="{6BFFF8FD-4C82-CE4B-A328-95E0C09266C3}" type="datetimeFigureOut">
               <a:rPr lang="en-US" smtClean="0"/>
-              <a:t>11/6/20</a:t>
+              <a:t>6/19/23</a:t>
             </a:fld>
             <a:endParaRPr lang="en-US"/>
           </a:p>
@@ -960,7 +960,7 @@
           <a:p>
             <a:fld id="{6BFFF8FD-4C82-CE4B-A328-95E0C09266C3}" type="datetimeFigureOut">
               <a:rPr lang="en-US" smtClean="0"/>
-              <a:t>11/6/20</a:t>
+              <a:t>6/19/23</a:t>
             </a:fld>
             <a:endParaRPr lang="en-US"/>
           </a:p>
@@ -1170,7 +1170,7 @@
           <a:p>
             <a:fld id="{6BFFF8FD-4C82-CE4B-A328-95E0C09266C3}" type="datetimeFigureOut">
               <a:rPr lang="en-US" smtClean="0"/>
-              <a:t>11/6/20</a:t>
+              <a:t>6/19/23</a:t>
             </a:fld>
             <a:endParaRPr lang="en-US"/>
           </a:p>
@@ -1596,7 +1596,7 @@
           <a:p>
             <a:fld id="{6BFFF8FD-4C82-CE4B-A328-95E0C09266C3}" type="datetimeFigureOut">
               <a:rPr lang="en-US" smtClean="0"/>
-              <a:t>11/6/20</a:t>
+              <a:t>6/19/23</a:t>
             </a:fld>
             <a:endParaRPr lang="en-US"/>
           </a:p>
@@ -1872,7 +1872,7 @@
           <a:p>
             <a:fld id="{6BFFF8FD-4C82-CE4B-A328-95E0C09266C3}" type="datetimeFigureOut">
               <a:rPr lang="en-US" smtClean="0"/>
-              <a:t>11/6/20</a:t>
+              <a:t>6/19/23</a:t>
             </a:fld>
             <a:endParaRPr lang="en-US"/>
           </a:p>
@@ -2140,7 +2140,7 @@
           <a:p>
             <a:fld id="{6BFFF8FD-4C82-CE4B-A328-95E0C09266C3}" type="datetimeFigureOut">
               <a:rPr lang="en-US" smtClean="0"/>
-              <a:t>11/6/20</a:t>
+              <a:t>6/19/23</a:t>
             </a:fld>
             <a:endParaRPr lang="en-US"/>
           </a:p>
@@ -2555,7 +2555,7 @@
           <a:p>
             <a:fld id="{6BFFF8FD-4C82-CE4B-A328-95E0C09266C3}" type="datetimeFigureOut">
               <a:rPr lang="en-US" smtClean="0"/>
-              <a:t>11/6/20</a:t>
+              <a:t>6/19/23</a:t>
             </a:fld>
             <a:endParaRPr lang="en-US"/>
           </a:p>
@@ -2697,7 +2697,7 @@
           <a:p>
             <a:fld id="{6BFFF8FD-4C82-CE4B-A328-95E0C09266C3}" type="datetimeFigureOut">
               <a:rPr lang="en-US" smtClean="0"/>
-              <a:t>11/6/20</a:t>
+              <a:t>6/19/23</a:t>
             </a:fld>
             <a:endParaRPr lang="en-US"/>
           </a:p>
@@ -2810,7 +2810,7 @@
           <a:p>
             <a:fld id="{6BFFF8FD-4C82-CE4B-A328-95E0C09266C3}" type="datetimeFigureOut">
               <a:rPr lang="en-US" smtClean="0"/>
-              <a:t>11/6/20</a:t>
+              <a:t>6/19/23</a:t>
             </a:fld>
             <a:endParaRPr lang="en-US"/>
           </a:p>
@@ -3123,7 +3123,7 @@
           <a:p>
             <a:fld id="{6BFFF8FD-4C82-CE4B-A328-95E0C09266C3}" type="datetimeFigureOut">
               <a:rPr lang="en-US" smtClean="0"/>
-              <a:t>11/6/20</a:t>
+              <a:t>6/19/23</a:t>
             </a:fld>
             <a:endParaRPr lang="en-US"/>
           </a:p>
@@ -3412,7 +3412,7 @@
           <a:p>
             <a:fld id="{6BFFF8FD-4C82-CE4B-A328-95E0C09266C3}" type="datetimeFigureOut">
               <a:rPr lang="en-US" smtClean="0"/>
-              <a:t>11/6/20</a:t>
+              <a:t>6/19/23</a:t>
             </a:fld>
             <a:endParaRPr lang="en-US"/>
           </a:p>
@@ -3655,7 +3655,7 @@
           <a:p>
             <a:fld id="{6BFFF8FD-4C82-CE4B-A328-95E0C09266C3}" type="datetimeFigureOut">
               <a:rPr lang="en-US" smtClean="0"/>
-              <a:t>11/6/20</a:t>
+              <a:t>6/19/23</a:t>
             </a:fld>
             <a:endParaRPr lang="en-US"/>
           </a:p>
@@ -6398,23 +6398,7 @@
             </a:pPr>
             <a:r>
               <a:rPr lang="en-US" sz="2500" dirty="0"/>
-              <a:t>e.g. </a:t>
-            </a:r>
-            <a:r>
-              <a:rPr lang="en-US" sz="2500" dirty="0" err="1"/>
-              <a:t>favourite</a:t>
-            </a:r>
-            <a:r>
-              <a:rPr lang="en-US" sz="2500" dirty="0"/>
-              <a:t> </a:t>
-            </a:r>
-            <a:r>
-              <a:rPr lang="en-US" sz="2500" dirty="0" err="1"/>
-              <a:t>colour</a:t>
-            </a:r>
-            <a:r>
-              <a:rPr lang="en-US" sz="2500" dirty="0"/>
-              <a:t>: </a:t>
+              <a:t>e.g. class of vertebrate: </a:t>
             </a:r>
           </a:p>
           <a:p>
@@ -6427,7 +6411,7 @@
             </a:r>
             <a:r>
               <a:rPr lang="en-US" sz="2400" dirty="0"/>
-              <a:t>green / blue / orange / yellow</a:t>
+              <a:t> amphibian / bird / fish / mammal / reptile</a:t>
             </a:r>
           </a:p>
           <a:p>
@@ -6471,7 +6455,7 @@
             </a:pPr>
             <a:r>
               <a:rPr lang="en-US" sz="2500" dirty="0"/>
-              <a:t>e.g. Likert scale: </a:t>
+              <a:t>e.g. opinion on a Likert scale: </a:t>
             </a:r>
           </a:p>
           <a:p>
@@ -9746,7 +9730,7 @@
             </a:r>
             <a:r>
               <a:rPr lang="en-US" sz="2800" dirty="0"/>
-              <a:t> for a given data set may be found by </a:t>
+              <a:t> for a given data set can sometimes be found by </a:t>
             </a:r>
             <a:r>
               <a:rPr lang="en-US" sz="2800" i="1" dirty="0"/>
@@ -10322,7 +10306,7 @@
             </a:r>
             <a:r>
               <a:rPr lang="en-US" sz="2800" b="1" dirty="0"/>
-              <a:t>abalone</a:t>
+              <a:t>housing</a:t>
             </a:r>
             <a:r>
               <a:rPr lang="en-US" sz="2800" dirty="0"/>
@@ -10364,7 +10348,7 @@
             </a:pPr>
             <a:r>
               <a:rPr lang="en-US" sz="2800" dirty="0"/>
-              <a:t>What do the two clusters appear to correspond to?</a:t>
+              <a:t>Does this clustering reveal any insights into the data?</a:t>
             </a:r>
           </a:p>
         </p:txBody>
@@ -10565,12 +10549,12 @@
           <a:graphicData uri="http://schemas.openxmlformats.org/presentationml/2006/ole">
             <mc:AlternateContent xmlns:mc="http://schemas.openxmlformats.org/markup-compatibility/2006">
               <mc:Choice xmlns:v="urn:schemas-microsoft-com:vml" Requires="v">
-                <p:oleObj spid="_x0000_s4111" name="Equation" r:id="rId3" imgW="596900" imgH="203200" progId="Equation.3">
+                <p:oleObj name="Equation" r:id="rId2" imgW="596900" imgH="203200" progId="Equation.3">
                   <p:embed/>
                 </p:oleObj>
               </mc:Choice>
               <mc:Fallback>
-                <p:oleObj name="Equation" r:id="rId3" imgW="596900" imgH="203200" progId="Equation.3">
+                <p:oleObj name="Equation" r:id="rId2" imgW="596900" imgH="203200" progId="Equation.3">
                   <p:embed/>
                   <p:pic>
                     <p:nvPicPr>
@@ -10579,7 +10563,7 @@
                       <p:nvPr/>
                     </p:nvPicPr>
                     <p:blipFill>
-                      <a:blip r:embed="rId4"/>
+                      <a:blip r:embed="rId3"/>
                       <a:stretch>
                         <a:fillRect/>
                       </a:stretch>
@@ -13173,7 +13157,7 @@
             </a:r>
             <a:r>
               <a:rPr lang="en-US" dirty="0"/>
-              <a:t> is a continuous value</a:t>
+              <a:t> is a quantitative value</a:t>
             </a:r>
           </a:p>
           <a:p>
@@ -13214,7 +13198,7 @@
             </a:r>
             <a:r>
               <a:rPr lang="en-US" dirty="0"/>
-              <a:t> is a discrete-valued class label   </a:t>
+              <a:t> is a categorical variable</a:t>
             </a:r>
           </a:p>
           <a:p>
@@ -22602,6 +22586,41 @@
           </a:extLst>
         </p:spPr>
       </p:pic>
+      <p:sp>
+        <p:nvSpPr>
+          <p:cNvPr id="3" name="TextBox 2">
+            <a:extLst>
+              <a:ext uri="{FF2B5EF4-FFF2-40B4-BE49-F238E27FC236}">
+                <a16:creationId xmlns:a16="http://schemas.microsoft.com/office/drawing/2014/main" id="{3559C57D-E760-4DBF-089A-04FA813E1568}"/>
+              </a:ext>
+            </a:extLst>
+          </p:cNvPr>
+          <p:cNvSpPr txBox="1"/>
+          <p:nvPr/>
+        </p:nvSpPr>
+        <p:spPr>
+          <a:xfrm>
+            <a:off x="4356243" y="2208944"/>
+            <a:ext cx="2907586" cy="923330"/>
+          </a:xfrm>
+          <a:prstGeom prst="rect">
+            <a:avLst/>
+          </a:prstGeom>
+          <a:noFill/>
+        </p:spPr>
+        <p:txBody>
+          <a:bodyPr wrap="square" rtlCol="0">
+            <a:spAutoFit/>
+          </a:bodyPr>
+          <a:lstStyle/>
+          <a:p>
+            <a:r>
+              <a:rPr lang="en-US" dirty="0"/>
+              <a:t>Which patients will visit the doctor within the next 3 months?</a:t>
+            </a:r>
+          </a:p>
+        </p:txBody>
+      </p:sp>
     </p:spTree>
     <p:extLst>
       <p:ext uri="{BB962C8B-B14F-4D97-AF65-F5344CB8AC3E}">
@@ -23052,8 +23071,8 @@
         </p:nvSpPr>
         <p:spPr>
           <a:xfrm>
-            <a:off x="581264" y="1211086"/>
-            <a:ext cx="1755648" cy="649225"/>
+            <a:off x="577866" y="1159220"/>
+            <a:ext cx="1963252" cy="649225"/>
           </a:xfrm>
           <a:prstGeom prst="rect">
             <a:avLst/>
@@ -23061,7 +23080,7 @@
         </p:spPr>
         <p:txBody>
           <a:bodyPr vert="horz" lIns="91440" tIns="45720" rIns="91440" bIns="45720" rtlCol="0">
-            <a:normAutofit fontScale="85000" lnSpcReduction="10000"/>
+            <a:normAutofit/>
           </a:bodyPr>
           <a:lstStyle>
             <a:lvl1pPr marL="342900" indent="-342900" algn="l" defTabSz="457200" rtl="0" eaLnBrk="1" latinLnBrk="0" hangingPunct="1">
@@ -23205,8 +23224,8 @@
               <a:buNone/>
             </a:pPr>
             <a:r>
-              <a:rPr lang="en-US" dirty="0"/>
-              <a:t>Visited GP</a:t>
+              <a:rPr lang="en-US" sz="2000" dirty="0"/>
+              <a:t>Visited doctor</a:t>
             </a:r>
           </a:p>
         </p:txBody>
@@ -23236,7 +23255,7 @@
         </p:spPr>
         <p:txBody>
           <a:bodyPr vert="horz" lIns="91440" tIns="45720" rIns="91440" bIns="45720" rtlCol="0">
-            <a:normAutofit fontScale="85000" lnSpcReduction="10000"/>
+            <a:normAutofit fontScale="62500" lnSpcReduction="20000"/>
           </a:bodyPr>
           <a:lstStyle>
             <a:lvl1pPr marL="342900" indent="-342900" algn="l" defTabSz="457200" rtl="0" eaLnBrk="1" latinLnBrk="0" hangingPunct="1">
@@ -23381,7 +23400,7 @@
             </a:pPr>
             <a:r>
               <a:rPr lang="en-US" dirty="0"/>
-              <a:t>Visited GP</a:t>
+              <a:t>Visited doctor</a:t>
             </a:r>
           </a:p>
         </p:txBody>
@@ -23402,8 +23421,8 @@
         </p:nvSpPr>
         <p:spPr>
           <a:xfrm>
-            <a:off x="2701939" y="1154652"/>
-            <a:ext cx="2602654" cy="649224"/>
+            <a:off x="2623227" y="1187438"/>
+            <a:ext cx="2574713" cy="592790"/>
           </a:xfrm>
           <a:prstGeom prst="rect">
             <a:avLst/>
@@ -23555,8 +23574,8 @@
               <a:buNone/>
             </a:pPr>
             <a:r>
-              <a:rPr lang="en-US" sz="2800" dirty="0"/>
-              <a:t>Did not visit GP</a:t>
+              <a:rPr lang="en-US" sz="2000" dirty="0"/>
+              <a:t>Did not visit doctor</a:t>
             </a:r>
           </a:p>
         </p:txBody>
